--- a/Presentación final/Presentacion final.pptx
+++ b/Presentación final/Presentacion final.pptx
@@ -5,7 +5,7 @@
     <p:sldMasterId id="2147483840" r:id="rId1"/>
   </p:sldMasterIdLst>
   <p:notesMasterIdLst>
-    <p:notesMasterId r:id="rId16"/>
+    <p:notesMasterId r:id="rId22"/>
   </p:notesMasterIdLst>
   <p:sldIdLst>
     <p:sldId id="256" r:id="rId2"/>
@@ -22,6 +22,12 @@
     <p:sldId id="268" r:id="rId13"/>
     <p:sldId id="269" r:id="rId14"/>
     <p:sldId id="270" r:id="rId15"/>
+    <p:sldId id="271" r:id="rId16"/>
+    <p:sldId id="272" r:id="rId17"/>
+    <p:sldId id="273" r:id="rId18"/>
+    <p:sldId id="276" r:id="rId19"/>
+    <p:sldId id="275" r:id="rId20"/>
+    <p:sldId id="274" r:id="rId21"/>
   </p:sldIdLst>
   <p:sldSz cx="9144000" cy="6858000" type="screen4x3"/>
   <p:notesSz cx="6858000" cy="9144000"/>
@@ -206,7 +212,7 @@
             <a:fld id="{FFF104F8-57FB-438D-98F1-A2F687608648}" type="datetimeFigureOut">
               <a:rPr lang="es-PY" smtClean="0"/>
               <a:pPr/>
-              <a:t>18/10/2015</a:t>
+              <a:t>20/10/2015</a:t>
             </a:fld>
             <a:endParaRPr lang="es-PY"/>
           </a:p>
@@ -554,6 +560,829 @@
 </p:notes>
 </file>
 
+<file path=ppt/notesSlides/notesSlide2.xml><?xml version="1.0" encoding="utf-8"?>
+<p:notes xmlns:a="http://schemas.openxmlformats.org/drawingml/2006/main" xmlns:r="http://schemas.openxmlformats.org/officeDocument/2006/relationships" xmlns:p="http://schemas.openxmlformats.org/presentationml/2006/main">
+  <p:cSld>
+    <p:spTree>
+      <p:nvGrpSpPr>
+        <p:cNvPr id="1" name=""/>
+        <p:cNvGrpSpPr/>
+        <p:nvPr/>
+      </p:nvGrpSpPr>
+      <p:grpSpPr>
+        <a:xfrm>
+          <a:off x="0" y="0"/>
+          <a:ext cx="0" cy="0"/>
+          <a:chOff x="0" y="0"/>
+          <a:chExt cx="0" cy="0"/>
+        </a:xfrm>
+      </p:grpSpPr>
+      <p:sp>
+        <p:nvSpPr>
+          <p:cNvPr id="2" name="1 Marcador de imagen de diapositiva"/>
+          <p:cNvSpPr>
+            <a:spLocks noGrp="1" noRot="1" noChangeAspect="1"/>
+          </p:cNvSpPr>
+          <p:nvPr>
+            <p:ph type="sldImg"/>
+          </p:nvPr>
+        </p:nvSpPr>
+        <p:spPr/>
+      </p:sp>
+      <p:sp>
+        <p:nvSpPr>
+          <p:cNvPr id="3" name="2 Marcador de notas"/>
+          <p:cNvSpPr>
+            <a:spLocks noGrp="1"/>
+          </p:cNvSpPr>
+          <p:nvPr>
+            <p:ph type="body" idx="1"/>
+          </p:nvPr>
+        </p:nvSpPr>
+        <p:spPr/>
+        <p:txBody>
+          <a:bodyPr>
+            <a:normAutofit/>
+          </a:bodyPr>
+          <a:lstStyle/>
+          <a:p>
+            <a:endParaRPr lang="es-PY" dirty="0"/>
+          </a:p>
+        </p:txBody>
+      </p:sp>
+      <p:sp>
+        <p:nvSpPr>
+          <p:cNvPr id="4" name="3 Marcador de número de diapositiva"/>
+          <p:cNvSpPr>
+            <a:spLocks noGrp="1"/>
+          </p:cNvSpPr>
+          <p:nvPr>
+            <p:ph type="sldNum" sz="quarter" idx="10"/>
+          </p:nvPr>
+        </p:nvSpPr>
+        <p:spPr/>
+        <p:txBody>
+          <a:bodyPr/>
+          <a:lstStyle/>
+          <a:p>
+            <a:fld id="{F281F6FB-2DDC-455D-B27B-ACF9902ABC11}" type="slidenum">
+              <a:rPr lang="es-PY" smtClean="0"/>
+              <a:pPr/>
+              <a:t>16</a:t>
+            </a:fld>
+            <a:endParaRPr lang="es-PY"/>
+          </a:p>
+        </p:txBody>
+      </p:sp>
+    </p:spTree>
+  </p:cSld>
+  <p:clrMapOvr>
+    <a:masterClrMapping/>
+  </p:clrMapOvr>
+</p:notes>
+</file>
+
+<file path=ppt/notesSlides/notesSlide3.xml><?xml version="1.0" encoding="utf-8"?>
+<p:notes xmlns:a="http://schemas.openxmlformats.org/drawingml/2006/main" xmlns:r="http://schemas.openxmlformats.org/officeDocument/2006/relationships" xmlns:p="http://schemas.openxmlformats.org/presentationml/2006/main">
+  <p:cSld>
+    <p:spTree>
+      <p:nvGrpSpPr>
+        <p:cNvPr id="1" name=""/>
+        <p:cNvGrpSpPr/>
+        <p:nvPr/>
+      </p:nvGrpSpPr>
+      <p:grpSpPr>
+        <a:xfrm>
+          <a:off x="0" y="0"/>
+          <a:ext cx="0" cy="0"/>
+          <a:chOff x="0" y="0"/>
+          <a:chExt cx="0" cy="0"/>
+        </a:xfrm>
+      </p:grpSpPr>
+      <p:sp>
+        <p:nvSpPr>
+          <p:cNvPr id="2" name="1 Marcador de imagen de diapositiva"/>
+          <p:cNvSpPr>
+            <a:spLocks noGrp="1" noRot="1" noChangeAspect="1"/>
+          </p:cNvSpPr>
+          <p:nvPr>
+            <p:ph type="sldImg"/>
+          </p:nvPr>
+        </p:nvSpPr>
+        <p:spPr/>
+      </p:sp>
+      <p:sp>
+        <p:nvSpPr>
+          <p:cNvPr id="3" name="2 Marcador de notas"/>
+          <p:cNvSpPr>
+            <a:spLocks noGrp="1"/>
+          </p:cNvSpPr>
+          <p:nvPr>
+            <p:ph type="body" idx="1"/>
+          </p:nvPr>
+        </p:nvSpPr>
+        <p:spPr/>
+        <p:txBody>
+          <a:bodyPr>
+            <a:normAutofit/>
+          </a:bodyPr>
+          <a:lstStyle/>
+          <a:p>
+            <a:pPr marL="0" marR="0" lvl="0" indent="0" algn="l" defTabSz="914400" rtl="0" eaLnBrk="1" fontAlgn="auto" latinLnBrk="0" hangingPunct="1">
+              <a:lnSpc>
+                <a:spcPct val="100000"/>
+              </a:lnSpc>
+              <a:spcBef>
+                <a:spcPts val="0"/>
+              </a:spcBef>
+              <a:spcAft>
+                <a:spcPts val="0"/>
+              </a:spcAft>
+              <a:buClrTx/>
+              <a:buSzTx/>
+              <a:buFontTx/>
+              <a:buNone/>
+              <a:tabLst/>
+              <a:defRPr/>
+            </a:pPr>
+            <a:r>
+              <a:rPr lang="es-PY" sz="1200" kern="1200" dirty="0" smtClean="0">
+                <a:solidFill>
+                  <a:schemeClr val="tx1"/>
+                </a:solidFill>
+                <a:latin typeface="+mn-lt"/>
+                <a:ea typeface="+mn-ea"/>
+                <a:cs typeface="+mn-cs"/>
+              </a:rPr>
+              <a:t>Una vez que los modelos de la aplicación se encontraban listos, el siguiente paso era generar código fuente a partir de ellos. Cuando a alguno de los modelos le faltaba definir alguna propiedad para alguno de sus elementos, entonces el código fuente generado en primera instancia, no reflejaba el resultado esperado. En estos casos iterativamente se volvía a hacer los cambios al modelo y luego se generaba de vuelta la aplicación. Un leve incremento en el número de generaciones para el enfoque </a:t>
+            </a:r>
+            <a:r>
+              <a:rPr lang="es-PY" sz="1200" i="1" kern="1200" dirty="0" err="1" smtClean="0">
+                <a:solidFill>
+                  <a:schemeClr val="tx1"/>
+                </a:solidFill>
+                <a:latin typeface="+mn-lt"/>
+                <a:ea typeface="+mn-ea"/>
+                <a:cs typeface="+mn-cs"/>
+              </a:rPr>
+              <a:t>MoWebA</a:t>
+            </a:r>
+            <a:r>
+              <a:rPr lang="es-PY" sz="1200" kern="1200" dirty="0" smtClean="0">
+                <a:solidFill>
+                  <a:schemeClr val="tx1"/>
+                </a:solidFill>
+                <a:latin typeface="+mn-lt"/>
+                <a:ea typeface="+mn-ea"/>
+                <a:cs typeface="+mn-cs"/>
+              </a:rPr>
+              <a:t> con </a:t>
+            </a:r>
+            <a:r>
+              <a:rPr lang="es-PY" sz="1200" i="1" kern="1200" dirty="0" smtClean="0">
+                <a:solidFill>
+                  <a:schemeClr val="tx1"/>
+                </a:solidFill>
+                <a:latin typeface="+mn-lt"/>
+                <a:ea typeface="+mn-ea"/>
+                <a:cs typeface="+mn-cs"/>
+              </a:rPr>
+              <a:t>RIA</a:t>
+            </a:r>
+            <a:r>
+              <a:rPr lang="es-PY" sz="1200" kern="1200" dirty="0" smtClean="0">
+                <a:solidFill>
+                  <a:schemeClr val="tx1"/>
+                </a:solidFill>
+                <a:latin typeface="+mn-lt"/>
+                <a:ea typeface="+mn-ea"/>
+                <a:cs typeface="+mn-cs"/>
+              </a:rPr>
+              <a:t> se pudo apreciar de los datos recabados, con respecto a </a:t>
+            </a:r>
+            <a:r>
+              <a:rPr lang="es-PY" sz="1200" i="1" kern="1200" dirty="0" err="1" smtClean="0">
+                <a:solidFill>
+                  <a:schemeClr val="tx1"/>
+                </a:solidFill>
+                <a:latin typeface="+mn-lt"/>
+                <a:ea typeface="+mn-ea"/>
+                <a:cs typeface="+mn-cs"/>
+              </a:rPr>
+              <a:t>MoWebA</a:t>
+            </a:r>
+            <a:r>
+              <a:rPr lang="es-PY" sz="1200" kern="1200" dirty="0" smtClean="0">
+                <a:solidFill>
+                  <a:schemeClr val="tx1"/>
+                </a:solidFill>
+                <a:latin typeface="+mn-lt"/>
+                <a:ea typeface="+mn-ea"/>
+                <a:cs typeface="+mn-cs"/>
+              </a:rPr>
+              <a:t> sin </a:t>
+            </a:r>
+            <a:r>
+              <a:rPr lang="es-PY" sz="1200" i="1" kern="1200" dirty="0" smtClean="0">
+                <a:solidFill>
+                  <a:schemeClr val="tx1"/>
+                </a:solidFill>
+                <a:latin typeface="+mn-lt"/>
+                <a:ea typeface="+mn-ea"/>
+                <a:cs typeface="+mn-cs"/>
+              </a:rPr>
+              <a:t>RIA</a:t>
+            </a:r>
+            <a:r>
+              <a:rPr lang="es-PY" sz="1200" kern="1200" dirty="0" smtClean="0">
+                <a:solidFill>
+                  <a:schemeClr val="tx1"/>
+                </a:solidFill>
+                <a:latin typeface="+mn-lt"/>
+                <a:ea typeface="+mn-ea"/>
+                <a:cs typeface="+mn-cs"/>
+              </a:rPr>
+              <a:t>, en donde las vistas Agregar Persona y Remover Persona incurrieron en la mayor cantidad de generaciones de código. Debido a que los requerimientos </a:t>
+            </a:r>
+            <a:r>
+              <a:rPr lang="es-PY" sz="1200" i="1" kern="1200" dirty="0" smtClean="0">
+                <a:solidFill>
+                  <a:schemeClr val="tx1"/>
+                </a:solidFill>
+                <a:latin typeface="+mn-lt"/>
+                <a:ea typeface="+mn-ea"/>
+                <a:cs typeface="+mn-cs"/>
+              </a:rPr>
+              <a:t>RIA</a:t>
+            </a:r>
+            <a:r>
+              <a:rPr lang="es-PY" sz="1200" kern="1200" dirty="0" smtClean="0">
+                <a:solidFill>
+                  <a:schemeClr val="tx1"/>
+                </a:solidFill>
+                <a:latin typeface="+mn-lt"/>
+                <a:ea typeface="+mn-ea"/>
+                <a:cs typeface="+mn-cs"/>
+              </a:rPr>
+              <a:t> requieren un mayor nivel de detalle en los modelos para el caso de </a:t>
+            </a:r>
+            <a:r>
+              <a:rPr lang="es-PY" sz="1200" i="1" kern="1200" dirty="0" err="1" smtClean="0">
+                <a:solidFill>
+                  <a:schemeClr val="tx1"/>
+                </a:solidFill>
+                <a:latin typeface="+mn-lt"/>
+                <a:ea typeface="+mn-ea"/>
+                <a:cs typeface="+mn-cs"/>
+              </a:rPr>
+              <a:t>MoWebA</a:t>
+            </a:r>
+            <a:r>
+              <a:rPr lang="es-PY" sz="1200" kern="1200" dirty="0" smtClean="0">
+                <a:solidFill>
+                  <a:schemeClr val="tx1"/>
+                </a:solidFill>
+                <a:latin typeface="+mn-lt"/>
+                <a:ea typeface="+mn-ea"/>
+                <a:cs typeface="+mn-cs"/>
+              </a:rPr>
+              <a:t> con </a:t>
+            </a:r>
+            <a:r>
+              <a:rPr lang="es-PY" sz="1200" i="1" kern="1200" dirty="0" smtClean="0">
+                <a:solidFill>
+                  <a:schemeClr val="tx1"/>
+                </a:solidFill>
+                <a:latin typeface="+mn-lt"/>
+                <a:ea typeface="+mn-ea"/>
+                <a:cs typeface="+mn-cs"/>
+              </a:rPr>
+              <a:t>RIA</a:t>
+            </a:r>
+            <a:r>
+              <a:rPr lang="es-PY" sz="1200" kern="1200" dirty="0" smtClean="0">
+                <a:solidFill>
+                  <a:schemeClr val="tx1"/>
+                </a:solidFill>
+                <a:latin typeface="+mn-lt"/>
+                <a:ea typeface="+mn-ea"/>
+                <a:cs typeface="+mn-cs"/>
+              </a:rPr>
+              <a:t> con respecto a </a:t>
+            </a:r>
+            <a:r>
+              <a:rPr lang="es-PY" sz="1200" i="1" kern="1200" dirty="0" err="1" smtClean="0">
+                <a:solidFill>
+                  <a:schemeClr val="tx1"/>
+                </a:solidFill>
+                <a:latin typeface="+mn-lt"/>
+                <a:ea typeface="+mn-ea"/>
+                <a:cs typeface="+mn-cs"/>
+              </a:rPr>
+              <a:t>MoWebA</a:t>
+            </a:r>
+            <a:r>
+              <a:rPr lang="es-PY" sz="1200" kern="1200" dirty="0" smtClean="0">
+                <a:solidFill>
+                  <a:schemeClr val="tx1"/>
+                </a:solidFill>
+                <a:latin typeface="+mn-lt"/>
+                <a:ea typeface="+mn-ea"/>
+                <a:cs typeface="+mn-cs"/>
+              </a:rPr>
+              <a:t> sin </a:t>
+            </a:r>
+            <a:r>
+              <a:rPr lang="es-PY" sz="1200" i="1" kern="1200" dirty="0" smtClean="0">
+                <a:solidFill>
+                  <a:schemeClr val="tx1"/>
+                </a:solidFill>
+                <a:latin typeface="+mn-lt"/>
+                <a:ea typeface="+mn-ea"/>
+                <a:cs typeface="+mn-cs"/>
+              </a:rPr>
+              <a:t>RIA</a:t>
+            </a:r>
+            <a:r>
+              <a:rPr lang="es-PY" sz="1200" kern="1200" dirty="0" smtClean="0">
+                <a:solidFill>
+                  <a:schemeClr val="tx1"/>
+                </a:solidFill>
+                <a:latin typeface="+mn-lt"/>
+                <a:ea typeface="+mn-ea"/>
+                <a:cs typeface="+mn-cs"/>
+              </a:rPr>
+              <a:t>, existen una mayor posibilidad de cometer errores en los modelos y por ende una mayor cantidad de generaciones de código será necesaria llevar a cabo para ir depurando la aplicación. </a:t>
+            </a:r>
+          </a:p>
+          <a:p>
+            <a:endParaRPr lang="es-PY" dirty="0"/>
+          </a:p>
+        </p:txBody>
+      </p:sp>
+      <p:sp>
+        <p:nvSpPr>
+          <p:cNvPr id="4" name="3 Marcador de número de diapositiva"/>
+          <p:cNvSpPr>
+            <a:spLocks noGrp="1"/>
+          </p:cNvSpPr>
+          <p:nvPr>
+            <p:ph type="sldNum" sz="quarter" idx="10"/>
+          </p:nvPr>
+        </p:nvSpPr>
+        <p:spPr/>
+        <p:txBody>
+          <a:bodyPr/>
+          <a:lstStyle/>
+          <a:p>
+            <a:fld id="{F281F6FB-2DDC-455D-B27B-ACF9902ABC11}" type="slidenum">
+              <a:rPr lang="es-PY" smtClean="0"/>
+              <a:pPr/>
+              <a:t>17</a:t>
+            </a:fld>
+            <a:endParaRPr lang="es-PY"/>
+          </a:p>
+        </p:txBody>
+      </p:sp>
+    </p:spTree>
+  </p:cSld>
+  <p:clrMapOvr>
+    <a:masterClrMapping/>
+  </p:clrMapOvr>
+</p:notes>
+</file>
+
+<file path=ppt/notesSlides/notesSlide4.xml><?xml version="1.0" encoding="utf-8"?>
+<p:notes xmlns:a="http://schemas.openxmlformats.org/drawingml/2006/main" xmlns:r="http://schemas.openxmlformats.org/officeDocument/2006/relationships" xmlns:p="http://schemas.openxmlformats.org/presentationml/2006/main">
+  <p:cSld>
+    <p:spTree>
+      <p:nvGrpSpPr>
+        <p:cNvPr id="1" name=""/>
+        <p:cNvGrpSpPr/>
+        <p:nvPr/>
+      </p:nvGrpSpPr>
+      <p:grpSpPr>
+        <a:xfrm>
+          <a:off x="0" y="0"/>
+          <a:ext cx="0" cy="0"/>
+          <a:chOff x="0" y="0"/>
+          <a:chExt cx="0" cy="0"/>
+        </a:xfrm>
+      </p:grpSpPr>
+      <p:sp>
+        <p:nvSpPr>
+          <p:cNvPr id="2" name="1 Marcador de imagen de diapositiva"/>
+          <p:cNvSpPr>
+            <a:spLocks noGrp="1" noRot="1" noChangeAspect="1"/>
+          </p:cNvSpPr>
+          <p:nvPr>
+            <p:ph type="sldImg"/>
+          </p:nvPr>
+        </p:nvSpPr>
+        <p:spPr/>
+      </p:sp>
+      <p:sp>
+        <p:nvSpPr>
+          <p:cNvPr id="3" name="2 Marcador de notas"/>
+          <p:cNvSpPr>
+            <a:spLocks noGrp="1"/>
+          </p:cNvSpPr>
+          <p:nvPr>
+            <p:ph type="body" idx="1"/>
+          </p:nvPr>
+        </p:nvSpPr>
+        <p:spPr/>
+        <p:txBody>
+          <a:bodyPr>
+            <a:normAutofit/>
+          </a:bodyPr>
+          <a:lstStyle/>
+          <a:p>
+            <a:pPr marL="0" marR="0" lvl="0" indent="0" algn="l" defTabSz="914400" rtl="0" eaLnBrk="1" fontAlgn="auto" latinLnBrk="0" hangingPunct="1">
+              <a:lnSpc>
+                <a:spcPct val="100000"/>
+              </a:lnSpc>
+              <a:spcBef>
+                <a:spcPts val="0"/>
+              </a:spcBef>
+              <a:spcAft>
+                <a:spcPts val="0"/>
+              </a:spcAft>
+              <a:buClrTx/>
+              <a:buSzTx/>
+              <a:buFontTx/>
+              <a:buNone/>
+              <a:tabLst/>
+              <a:defRPr/>
+            </a:pPr>
+            <a:r>
+              <a:rPr lang="es-PY" sz="1200" kern="1200" dirty="0" smtClean="0">
+                <a:solidFill>
+                  <a:schemeClr val="tx1"/>
+                </a:solidFill>
+                <a:latin typeface="+mn-lt"/>
+                <a:ea typeface="+mn-ea"/>
+                <a:cs typeface="+mn-cs"/>
+              </a:rPr>
+              <a:t>Analizando primeramente el tamaño total del </a:t>
+            </a:r>
+            <a:r>
+              <a:rPr lang="es-PY" sz="1200" kern="1200" dirty="0" err="1" smtClean="0">
+                <a:solidFill>
+                  <a:schemeClr val="tx1"/>
+                </a:solidFill>
+                <a:latin typeface="+mn-lt"/>
+                <a:ea typeface="+mn-ea"/>
+                <a:cs typeface="+mn-cs"/>
+              </a:rPr>
+              <a:t>Person</a:t>
+            </a:r>
+            <a:r>
+              <a:rPr lang="es-PY" sz="1200" kern="1200" dirty="0" smtClean="0">
+                <a:solidFill>
+                  <a:schemeClr val="tx1"/>
+                </a:solidFill>
+                <a:latin typeface="+mn-lt"/>
+                <a:ea typeface="+mn-ea"/>
+                <a:cs typeface="+mn-cs"/>
+              </a:rPr>
+              <a:t> Manager para ambos enfoques, se puede apreciar que el enfoque sin extensiones </a:t>
+            </a:r>
+            <a:r>
+              <a:rPr lang="es-PY" sz="1200" i="1" kern="1200" dirty="0" smtClean="0">
+                <a:solidFill>
+                  <a:schemeClr val="tx1"/>
+                </a:solidFill>
+                <a:latin typeface="+mn-lt"/>
+                <a:ea typeface="+mn-ea"/>
+                <a:cs typeface="+mn-cs"/>
+              </a:rPr>
+              <a:t>RIA</a:t>
+            </a:r>
+            <a:r>
+              <a:rPr lang="es-PY" sz="1200" kern="1200" dirty="0" smtClean="0">
+                <a:solidFill>
+                  <a:schemeClr val="tx1"/>
+                </a:solidFill>
+                <a:latin typeface="+mn-lt"/>
+                <a:ea typeface="+mn-ea"/>
+                <a:cs typeface="+mn-cs"/>
+              </a:rPr>
+              <a:t> posee 123 líneas de código menos (equivalente a un 32 %) que el enfoque con extensiones </a:t>
+            </a:r>
+            <a:r>
+              <a:rPr lang="es-PY" sz="1200" i="1" kern="1200" dirty="0" smtClean="0">
+                <a:solidFill>
+                  <a:schemeClr val="tx1"/>
+                </a:solidFill>
+                <a:latin typeface="+mn-lt"/>
+                <a:ea typeface="+mn-ea"/>
+                <a:cs typeface="+mn-cs"/>
+              </a:rPr>
+              <a:t>RIA</a:t>
+            </a:r>
+            <a:r>
+              <a:rPr lang="es-PY" sz="1200" kern="1200" dirty="0" smtClean="0">
+                <a:solidFill>
+                  <a:schemeClr val="tx1"/>
+                </a:solidFill>
+                <a:latin typeface="+mn-lt"/>
+                <a:ea typeface="+mn-ea"/>
+                <a:cs typeface="+mn-cs"/>
+              </a:rPr>
+              <a:t>. Esto se debe a que en el enfoque sin </a:t>
+            </a:r>
+            <a:r>
+              <a:rPr lang="es-PY" sz="1200" i="1" kern="1200" dirty="0" smtClean="0">
+                <a:solidFill>
+                  <a:schemeClr val="tx1"/>
+                </a:solidFill>
+                <a:latin typeface="+mn-lt"/>
+                <a:ea typeface="+mn-ea"/>
+                <a:cs typeface="+mn-cs"/>
+              </a:rPr>
+              <a:t>RIA</a:t>
+            </a:r>
+            <a:r>
+              <a:rPr lang="es-PY" sz="1200" kern="1200" dirty="0" smtClean="0">
+                <a:solidFill>
+                  <a:schemeClr val="tx1"/>
+                </a:solidFill>
+                <a:latin typeface="+mn-lt"/>
+                <a:ea typeface="+mn-ea"/>
+                <a:cs typeface="+mn-cs"/>
+              </a:rPr>
+              <a:t> no se genera código </a:t>
+            </a:r>
+            <a:r>
+              <a:rPr lang="es-PY" sz="1200" kern="1200" dirty="0" err="1" smtClean="0">
+                <a:solidFill>
+                  <a:schemeClr val="tx1"/>
+                </a:solidFill>
+                <a:latin typeface="+mn-lt"/>
+                <a:ea typeface="+mn-ea"/>
+                <a:cs typeface="+mn-cs"/>
+              </a:rPr>
+              <a:t>Javascript</a:t>
+            </a:r>
+            <a:r>
+              <a:rPr lang="es-PY" sz="1200" kern="1200" dirty="0" smtClean="0">
+                <a:solidFill>
+                  <a:schemeClr val="tx1"/>
+                </a:solidFill>
+                <a:latin typeface="+mn-lt"/>
+                <a:ea typeface="+mn-ea"/>
+                <a:cs typeface="+mn-cs"/>
+              </a:rPr>
+              <a:t> en la interfaz de usuario ya que su interfaz no posee elementos enriquecidos interactivos. Teniendo en cuenta que el objetivo de este trabajo de fin de carrera está enmarcado en los </a:t>
+            </a:r>
+            <a:r>
+              <a:rPr lang="es-PY" sz="1200" kern="1200" dirty="0" err="1" smtClean="0">
+                <a:solidFill>
+                  <a:schemeClr val="tx1"/>
+                </a:solidFill>
+                <a:latin typeface="+mn-lt"/>
+                <a:ea typeface="+mn-ea"/>
+                <a:cs typeface="+mn-cs"/>
+              </a:rPr>
+              <a:t>front-ends</a:t>
+            </a:r>
+            <a:r>
+              <a:rPr lang="es-PY" sz="1200" kern="1200" dirty="0" smtClean="0">
+                <a:solidFill>
+                  <a:schemeClr val="tx1"/>
+                </a:solidFill>
+                <a:latin typeface="+mn-lt"/>
+                <a:ea typeface="+mn-ea"/>
+                <a:cs typeface="+mn-cs"/>
+              </a:rPr>
+              <a:t> de las interfaces de usuario web, el porcentaje restante de la aplicación, que fue generado de manera manual (53% y 43%) respectivamente, corresponde a código para refinar la aplicación final y código para el acceso a la capa lógica y de dominio de la aplicación. Teniendo en cuenta que el código manual introducido en cada una de las vistas (48% del total de líneas de código en el enfoque </a:t>
+            </a:r>
+            <a:r>
+              <a:rPr lang="es-PY" sz="1200" i="1" kern="1200" dirty="0" err="1" smtClean="0">
+                <a:solidFill>
+                  <a:schemeClr val="tx1"/>
+                </a:solidFill>
+                <a:latin typeface="+mn-lt"/>
+                <a:ea typeface="+mn-ea"/>
+                <a:cs typeface="+mn-cs"/>
+              </a:rPr>
+              <a:t>MoWebA</a:t>
+            </a:r>
+            <a:r>
+              <a:rPr lang="es-PY" sz="1200" kern="1200" dirty="0" smtClean="0">
+                <a:solidFill>
+                  <a:schemeClr val="tx1"/>
+                </a:solidFill>
+                <a:latin typeface="+mn-lt"/>
+                <a:ea typeface="+mn-ea"/>
+                <a:cs typeface="+mn-cs"/>
+              </a:rPr>
+              <a:t> sin </a:t>
+            </a:r>
+            <a:r>
+              <a:rPr lang="es-PY" sz="1200" i="1" kern="1200" dirty="0" smtClean="0">
+                <a:solidFill>
+                  <a:schemeClr val="tx1"/>
+                </a:solidFill>
+                <a:latin typeface="+mn-lt"/>
+                <a:ea typeface="+mn-ea"/>
+                <a:cs typeface="+mn-cs"/>
+              </a:rPr>
+              <a:t>RIA</a:t>
+            </a:r>
+            <a:r>
+              <a:rPr lang="es-PY" sz="1200" kern="1200" dirty="0" smtClean="0">
+                <a:solidFill>
+                  <a:schemeClr val="tx1"/>
+                </a:solidFill>
+                <a:latin typeface="+mn-lt"/>
+                <a:ea typeface="+mn-ea"/>
+                <a:cs typeface="+mn-cs"/>
+              </a:rPr>
+              <a:t> y el 33% del total de líneas de código en el enfoque </a:t>
+            </a:r>
+            <a:r>
+              <a:rPr lang="es-PY" sz="1200" i="1" kern="1200" dirty="0" err="1" smtClean="0">
+                <a:solidFill>
+                  <a:schemeClr val="tx1"/>
+                </a:solidFill>
+                <a:latin typeface="+mn-lt"/>
+                <a:ea typeface="+mn-ea"/>
+                <a:cs typeface="+mn-cs"/>
+              </a:rPr>
+              <a:t>MoWebA</a:t>
+            </a:r>
+            <a:r>
+              <a:rPr lang="es-PY" sz="1200" kern="1200" dirty="0" smtClean="0">
+                <a:solidFill>
+                  <a:schemeClr val="tx1"/>
+                </a:solidFill>
+                <a:latin typeface="+mn-lt"/>
+                <a:ea typeface="+mn-ea"/>
+                <a:cs typeface="+mn-cs"/>
+              </a:rPr>
+              <a:t>  con </a:t>
+            </a:r>
+            <a:r>
+              <a:rPr lang="es-PY" sz="1200" i="1" kern="1200" dirty="0" smtClean="0">
+                <a:solidFill>
+                  <a:schemeClr val="tx1"/>
+                </a:solidFill>
+                <a:latin typeface="+mn-lt"/>
+                <a:ea typeface="+mn-ea"/>
+                <a:cs typeface="+mn-cs"/>
+              </a:rPr>
+              <a:t>RIA</a:t>
+            </a:r>
+            <a:r>
+              <a:rPr lang="es-PY" sz="1200" kern="1200" dirty="0" smtClean="0">
+                <a:solidFill>
+                  <a:schemeClr val="tx1"/>
+                </a:solidFill>
+                <a:latin typeface="+mn-lt"/>
+                <a:ea typeface="+mn-ea"/>
+                <a:cs typeface="+mn-cs"/>
+              </a:rPr>
+              <a:t>) corresponde a la lógica de negocios de cada una y no forma parte de la extensión de este trabajo, se puede concluir que el 52% del código de la interfaz de usuario para el enfoque </a:t>
+            </a:r>
+            <a:r>
+              <a:rPr lang="es-PY" sz="1200" i="1" kern="1200" dirty="0" err="1" smtClean="0">
+                <a:solidFill>
+                  <a:schemeClr val="tx1"/>
+                </a:solidFill>
+                <a:latin typeface="+mn-lt"/>
+                <a:ea typeface="+mn-ea"/>
+                <a:cs typeface="+mn-cs"/>
+              </a:rPr>
+              <a:t>MoWebA</a:t>
+            </a:r>
+            <a:r>
+              <a:rPr lang="es-PY" sz="1200" kern="1200" dirty="0" smtClean="0">
+                <a:solidFill>
+                  <a:schemeClr val="tx1"/>
+                </a:solidFill>
+                <a:latin typeface="+mn-lt"/>
+                <a:ea typeface="+mn-ea"/>
+                <a:cs typeface="+mn-cs"/>
+              </a:rPr>
+              <a:t> sin </a:t>
+            </a:r>
+            <a:r>
+              <a:rPr lang="es-PY" sz="1200" i="1" kern="1200" dirty="0" smtClean="0">
+                <a:solidFill>
+                  <a:schemeClr val="tx1"/>
+                </a:solidFill>
+                <a:latin typeface="+mn-lt"/>
+                <a:ea typeface="+mn-ea"/>
+                <a:cs typeface="+mn-cs"/>
+              </a:rPr>
+              <a:t>RIA</a:t>
+            </a:r>
+            <a:r>
+              <a:rPr lang="es-PY" sz="1200" kern="1200" dirty="0" smtClean="0">
+                <a:solidFill>
+                  <a:schemeClr val="tx1"/>
+                </a:solidFill>
+                <a:latin typeface="+mn-lt"/>
+                <a:ea typeface="+mn-ea"/>
+                <a:cs typeface="+mn-cs"/>
+              </a:rPr>
+              <a:t> se pudo generar de manera automática y el 67% para su contraparte con </a:t>
+            </a:r>
+            <a:r>
+              <a:rPr lang="es-PY" sz="1200" i="1" kern="1200" dirty="0" smtClean="0">
+                <a:solidFill>
+                  <a:schemeClr val="tx1"/>
+                </a:solidFill>
+                <a:latin typeface="+mn-lt"/>
+                <a:ea typeface="+mn-ea"/>
+                <a:cs typeface="+mn-cs"/>
+              </a:rPr>
+              <a:t>RIA</a:t>
+            </a:r>
+            <a:r>
+              <a:rPr lang="es-PY" sz="1200" kern="1200" dirty="0" smtClean="0">
+                <a:solidFill>
+                  <a:schemeClr val="tx1"/>
+                </a:solidFill>
+                <a:latin typeface="+mn-lt"/>
+                <a:ea typeface="+mn-ea"/>
+                <a:cs typeface="+mn-cs"/>
+              </a:rPr>
+              <a:t>. Finalmente se puede concluir de que es posible generar más del 50% por ciento de la aplicación final </a:t>
+            </a:r>
+            <a:r>
+              <a:rPr lang="es-PY" sz="1200" i="1" kern="1200" dirty="0" err="1" smtClean="0">
+                <a:solidFill>
+                  <a:schemeClr val="tx1"/>
+                </a:solidFill>
+                <a:latin typeface="+mn-lt"/>
+                <a:ea typeface="+mn-ea"/>
+                <a:cs typeface="+mn-cs"/>
+              </a:rPr>
+              <a:t>Person</a:t>
+            </a:r>
+            <a:r>
+              <a:rPr lang="es-PY" sz="1200" i="1" kern="1200" dirty="0" smtClean="0">
+                <a:solidFill>
+                  <a:schemeClr val="tx1"/>
+                </a:solidFill>
+                <a:latin typeface="+mn-lt"/>
+                <a:ea typeface="+mn-ea"/>
+                <a:cs typeface="+mn-cs"/>
+              </a:rPr>
+              <a:t> Manager</a:t>
+            </a:r>
+            <a:r>
+              <a:rPr lang="es-PY" sz="1200" kern="1200" dirty="0" smtClean="0">
+                <a:solidFill>
+                  <a:schemeClr val="tx1"/>
+                </a:solidFill>
+                <a:latin typeface="+mn-lt"/>
+                <a:ea typeface="+mn-ea"/>
+                <a:cs typeface="+mn-cs"/>
+              </a:rPr>
+              <a:t> de manera automática para ambos enfoques. </a:t>
+            </a:r>
+          </a:p>
+          <a:p>
+            <a:endParaRPr lang="es-PY" dirty="0"/>
+          </a:p>
+        </p:txBody>
+      </p:sp>
+      <p:sp>
+        <p:nvSpPr>
+          <p:cNvPr id="4" name="3 Marcador de número de diapositiva"/>
+          <p:cNvSpPr>
+            <a:spLocks noGrp="1"/>
+          </p:cNvSpPr>
+          <p:nvPr>
+            <p:ph type="sldNum" sz="quarter" idx="10"/>
+          </p:nvPr>
+        </p:nvSpPr>
+        <p:spPr/>
+        <p:txBody>
+          <a:bodyPr/>
+          <a:lstStyle/>
+          <a:p>
+            <a:fld id="{F281F6FB-2DDC-455D-B27B-ACF9902ABC11}" type="slidenum">
+              <a:rPr lang="es-PY" smtClean="0"/>
+              <a:pPr/>
+              <a:t>20</a:t>
+            </a:fld>
+            <a:endParaRPr lang="es-PY"/>
+          </a:p>
+        </p:txBody>
+      </p:sp>
+    </p:spTree>
+  </p:cSld>
+  <p:clrMapOvr>
+    <a:masterClrMapping/>
+  </p:clrMapOvr>
+</p:notes>
+</file>
+
 <file path=ppt/slideLayouts/slideLayout1.xml><?xml version="1.0" encoding="utf-8"?>
 <p:sldLayout xmlns:a="http://schemas.openxmlformats.org/drawingml/2006/main" xmlns:r="http://schemas.openxmlformats.org/officeDocument/2006/relationships" xmlns:p="http://schemas.openxmlformats.org/presentationml/2006/main" showMasterSp="0" type="title" preserve="1">
   <p:cSld name="Diapositiva de título">
@@ -939,7 +1768,7 @@
             <a:fld id="{8F64E085-4BAF-4760-BDE7-9FE51C485E80}" type="datetimeFigureOut">
               <a:rPr lang="es-PY" smtClean="0"/>
               <a:pPr/>
-              <a:t>18/10/2015</a:t>
+              <a:t>20/10/2015</a:t>
             </a:fld>
             <a:endParaRPr lang="es-PY"/>
           </a:p>
@@ -1106,7 +1935,7 @@
             <a:fld id="{8F64E085-4BAF-4760-BDE7-9FE51C485E80}" type="datetimeFigureOut">
               <a:rPr lang="es-PY" smtClean="0"/>
               <a:pPr/>
-              <a:t>18/10/2015</a:t>
+              <a:t>20/10/2015</a:t>
             </a:fld>
             <a:endParaRPr lang="es-PY"/>
           </a:p>
@@ -1283,7 +2112,7 @@
             <a:fld id="{8F64E085-4BAF-4760-BDE7-9FE51C485E80}" type="datetimeFigureOut">
               <a:rPr lang="es-PY" smtClean="0"/>
               <a:pPr/>
-              <a:t>18/10/2015</a:t>
+              <a:t>20/10/2015</a:t>
             </a:fld>
             <a:endParaRPr lang="es-PY"/>
           </a:p>
@@ -1454,7 +2283,7 @@
             <a:fld id="{8F64E085-4BAF-4760-BDE7-9FE51C485E80}" type="datetimeFigureOut">
               <a:rPr lang="es-PY" smtClean="0"/>
               <a:pPr/>
-              <a:t>18/10/2015</a:t>
+              <a:t>20/10/2015</a:t>
             </a:fld>
             <a:endParaRPr lang="es-PY"/>
           </a:p>
@@ -1911,7 +2740,7 @@
             <a:fld id="{8F64E085-4BAF-4760-BDE7-9FE51C485E80}" type="datetimeFigureOut">
               <a:rPr lang="es-PY" smtClean="0"/>
               <a:pPr/>
-              <a:t>18/10/2015</a:t>
+              <a:t>20/10/2015</a:t>
             </a:fld>
             <a:endParaRPr lang="es-PY"/>
           </a:p>
@@ -2177,7 +3006,7 @@
             <a:fld id="{8F64E085-4BAF-4760-BDE7-9FE51C485E80}" type="datetimeFigureOut">
               <a:rPr lang="es-PY" smtClean="0"/>
               <a:pPr/>
-              <a:t>18/10/2015</a:t>
+              <a:t>20/10/2015</a:t>
             </a:fld>
             <a:endParaRPr lang="es-PY"/>
           </a:p>
@@ -2553,7 +3382,7 @@
             <a:fld id="{8F64E085-4BAF-4760-BDE7-9FE51C485E80}" type="datetimeFigureOut">
               <a:rPr lang="es-PY" smtClean="0"/>
               <a:pPr/>
-              <a:t>18/10/2015</a:t>
+              <a:t>20/10/2015</a:t>
             </a:fld>
             <a:endParaRPr lang="es-PY"/>
           </a:p>
@@ -2677,7 +3506,7 @@
             <a:fld id="{8F64E085-4BAF-4760-BDE7-9FE51C485E80}" type="datetimeFigureOut">
               <a:rPr lang="es-PY" smtClean="0"/>
               <a:pPr/>
-              <a:t>18/10/2015</a:t>
+              <a:t>20/10/2015</a:t>
             </a:fld>
             <a:endParaRPr lang="es-PY"/>
           </a:p>
@@ -2769,7 +3598,7 @@
             <a:fld id="{8F64E085-4BAF-4760-BDE7-9FE51C485E80}" type="datetimeFigureOut">
               <a:rPr lang="es-PY" smtClean="0"/>
               <a:pPr/>
-              <a:t>18/10/2015</a:t>
+              <a:t>20/10/2015</a:t>
             </a:fld>
             <a:endParaRPr lang="es-PY"/>
           </a:p>
@@ -3020,7 +3849,7 @@
             <a:fld id="{8F64E085-4BAF-4760-BDE7-9FE51C485E80}" type="datetimeFigureOut">
               <a:rPr lang="es-PY" smtClean="0"/>
               <a:pPr/>
-              <a:t>18/10/2015</a:t>
+              <a:t>20/10/2015</a:t>
             </a:fld>
             <a:endParaRPr lang="es-PY"/>
           </a:p>
@@ -3281,7 +4110,7 @@
             <a:fld id="{8F64E085-4BAF-4760-BDE7-9FE51C485E80}" type="datetimeFigureOut">
               <a:rPr lang="es-PY" smtClean="0"/>
               <a:pPr/>
-              <a:t>18/10/2015</a:t>
+              <a:t>20/10/2015</a:t>
             </a:fld>
             <a:endParaRPr lang="es-PY"/>
           </a:p>
@@ -3687,7 +4516,7 @@
             <a:fld id="{8F64E085-4BAF-4760-BDE7-9FE51C485E80}" type="datetimeFigureOut">
               <a:rPr lang="es-PY" smtClean="0"/>
               <a:pPr/>
-              <a:t>18/10/2015</a:t>
+              <a:t>20/10/2015</a:t>
             </a:fld>
             <a:endParaRPr lang="es-PY"/>
           </a:p>
@@ -4565,11 +5394,7 @@
             </a:r>
             <a:r>
               <a:rPr lang="es-PY" dirty="0" smtClean="0"/>
-              <a:t> y se separó el problema en 2 unidades de </a:t>
-            </a:r>
-            <a:r>
-              <a:rPr lang="es-PY" dirty="0" smtClean="0"/>
-              <a:t>análisis.</a:t>
+              <a:t> y se separó el problema en 2 unidades de análisis.</a:t>
             </a:r>
           </a:p>
           <a:p>
@@ -4581,11 +5406,7 @@
           <a:p>
             <a:r>
               <a:rPr lang="es-PY" dirty="0" smtClean="0"/>
-              <a:t>Se colectaron  los datos en base a las mediciones </a:t>
-            </a:r>
-            <a:r>
-              <a:rPr lang="es-PY" dirty="0" smtClean="0"/>
-              <a:t>hechas</a:t>
+              <a:t>Se colectaron  los datos en base a las mediciones hechas</a:t>
             </a:r>
           </a:p>
           <a:p>
@@ -4642,11 +5463,7 @@
             <a:pPr algn="ctr"/>
             <a:r>
               <a:rPr lang="es-PY" b="1" dirty="0" smtClean="0"/>
-              <a:t> </a:t>
-            </a:r>
-            <a:r>
-              <a:rPr lang="es-PY" b="1" dirty="0" smtClean="0"/>
-              <a:t>El caso y las unidades de análisis</a:t>
+              <a:t> El caso y las unidades de análisis</a:t>
             </a:r>
             <a:endParaRPr lang="es-PY" dirty="0"/>
           </a:p>
@@ -4690,6 +5507,611 @@
 </p:sld>
 </file>
 
+<file path=ppt/slides/slide15.xml><?xml version="1.0" encoding="utf-8"?>
+<p:sld xmlns:a="http://schemas.openxmlformats.org/drawingml/2006/main" xmlns:r="http://schemas.openxmlformats.org/officeDocument/2006/relationships" xmlns:p="http://schemas.openxmlformats.org/presentationml/2006/main">
+  <p:cSld>
+    <p:spTree>
+      <p:nvGrpSpPr>
+        <p:cNvPr id="1" name=""/>
+        <p:cNvGrpSpPr/>
+        <p:nvPr/>
+      </p:nvGrpSpPr>
+      <p:grpSpPr>
+        <a:xfrm>
+          <a:off x="0" y="0"/>
+          <a:ext cx="0" cy="0"/>
+          <a:chOff x="0" y="0"/>
+          <a:chExt cx="0" cy="0"/>
+        </a:xfrm>
+      </p:grpSpPr>
+      <p:sp>
+        <p:nvSpPr>
+          <p:cNvPr id="2" name="1 Título"/>
+          <p:cNvSpPr>
+            <a:spLocks noGrp="1"/>
+          </p:cNvSpPr>
+          <p:nvPr>
+            <p:ph type="title"/>
+          </p:nvPr>
+        </p:nvSpPr>
+        <p:spPr/>
+        <p:txBody>
+          <a:bodyPr>
+            <a:normAutofit fontScale="90000"/>
+          </a:bodyPr>
+          <a:lstStyle/>
+          <a:p>
+            <a:pPr algn="ctr"/>
+            <a:r>
+              <a:rPr lang="es-PY" b="1" dirty="0" smtClean="0"/>
+              <a:t> </a:t>
+            </a:r>
+            <a:r>
+              <a:rPr lang="es-PY" b="1" dirty="0" smtClean="0"/>
+              <a:t>Preguntas de investigación</a:t>
+            </a:r>
+            <a:br>
+              <a:rPr lang="es-PY" b="1" dirty="0" smtClean="0"/>
+            </a:br>
+            <a:endParaRPr lang="es-PY" b="1" dirty="0"/>
+          </a:p>
+        </p:txBody>
+      </p:sp>
+      <p:sp>
+        <p:nvSpPr>
+          <p:cNvPr id="3" name="2 Marcador de contenido"/>
+          <p:cNvSpPr>
+            <a:spLocks noGrp="1"/>
+          </p:cNvSpPr>
+          <p:nvPr>
+            <p:ph idx="1"/>
+          </p:nvPr>
+        </p:nvSpPr>
+        <p:spPr>
+          <a:xfrm>
+            <a:off x="539552" y="1052736"/>
+            <a:ext cx="7467600" cy="4525963"/>
+          </a:xfrm>
+        </p:spPr>
+        <p:txBody>
+          <a:bodyPr>
+            <a:normAutofit fontScale="25000" lnSpcReduction="20000"/>
+          </a:bodyPr>
+          <a:lstStyle/>
+          <a:p>
+            <a:r>
+              <a:rPr lang="es-PY" sz="8000" dirty="0" smtClean="0"/>
+              <a:t>Las </a:t>
+            </a:r>
+            <a:r>
+              <a:rPr lang="es-PY" sz="8000" dirty="0" smtClean="0"/>
+              <a:t>siguientes cinco preguntas de investigación  (PI) fueron propuestas para el análisis</a:t>
+            </a:r>
+          </a:p>
+          <a:p>
+            <a:r>
+              <a:rPr lang="es-PY" sz="8000" i="1" dirty="0" smtClean="0"/>
+              <a:t>PI1: ¿Consume una mayor cantidad de tiempo modelar la aplicación aplicando </a:t>
+            </a:r>
+            <a:r>
+              <a:rPr lang="es-PY" sz="8000" i="1" dirty="0" err="1" smtClean="0"/>
+              <a:t>MoWebA</a:t>
+            </a:r>
+            <a:r>
+              <a:rPr lang="es-PY" sz="8000" i="1" dirty="0" smtClean="0"/>
+              <a:t> con RIA que </a:t>
+            </a:r>
+            <a:r>
+              <a:rPr lang="es-PY" sz="8000" i="1" dirty="0" err="1" smtClean="0"/>
+              <a:t>MoWebA</a:t>
+            </a:r>
+            <a:r>
+              <a:rPr lang="es-PY" sz="8000" i="1" dirty="0" smtClean="0"/>
+              <a:t> sin RIA?</a:t>
+            </a:r>
+            <a:endParaRPr lang="es-PY" sz="8000" dirty="0" smtClean="0"/>
+          </a:p>
+          <a:p>
+            <a:r>
+              <a:rPr lang="es-PY" sz="8000" i="1" dirty="0" smtClean="0"/>
+              <a:t>PI2: ¿Para cuál de los enfoques  es necesaria  una mayor cantidad de generaciones de código para obtener la interfaz de usuario final?</a:t>
+            </a:r>
+            <a:endParaRPr lang="es-PY" sz="8000" dirty="0" smtClean="0"/>
+          </a:p>
+          <a:p>
+            <a:r>
+              <a:rPr lang="es-PY" sz="8000" i="1" dirty="0" smtClean="0"/>
+              <a:t>PI3: Desde el punto de vista de las presentaciones enriquecidas, ¿qué ventajas aportan las características RIA presentes en la aplicación implementada con </a:t>
+            </a:r>
+            <a:r>
+              <a:rPr lang="es-PY" sz="8000" i="1" dirty="0" err="1" smtClean="0"/>
+              <a:t>MoWebA</a:t>
+            </a:r>
+            <a:r>
+              <a:rPr lang="es-PY" sz="8000" i="1" dirty="0" smtClean="0"/>
+              <a:t> con RIA con respecto a </a:t>
+            </a:r>
+            <a:r>
+              <a:rPr lang="es-PY" sz="8000" i="1" dirty="0" err="1" smtClean="0"/>
+              <a:t>MoWebA</a:t>
+            </a:r>
+            <a:r>
+              <a:rPr lang="es-PY" sz="8000" i="1" dirty="0" smtClean="0"/>
+              <a:t> sin RIA?</a:t>
+            </a:r>
+            <a:endParaRPr lang="es-PY" sz="8000" dirty="0" smtClean="0"/>
+          </a:p>
+          <a:p>
+            <a:r>
+              <a:rPr lang="es-PY" sz="8000" i="1" dirty="0" smtClean="0"/>
+              <a:t>PI4: Desde el punto de vista de la lógica de negocios en el lado del cliente, ¿qué ventajas aportan las características RIA presentes en la aplicación implementada con </a:t>
+            </a:r>
+            <a:r>
+              <a:rPr lang="es-PY" sz="8000" i="1" dirty="0" err="1" smtClean="0"/>
+              <a:t>MoWebA</a:t>
+            </a:r>
+            <a:r>
+              <a:rPr lang="es-PY" sz="8000" i="1" dirty="0" smtClean="0"/>
+              <a:t> con RIA con respecto a </a:t>
+            </a:r>
+            <a:r>
+              <a:rPr lang="es-PY" sz="8000" i="1" dirty="0" err="1" smtClean="0"/>
+              <a:t>MoWebA</a:t>
+            </a:r>
+            <a:r>
+              <a:rPr lang="es-PY" sz="8000" i="1" dirty="0" smtClean="0"/>
+              <a:t> sin RIA?</a:t>
+            </a:r>
+            <a:endParaRPr lang="es-PY" sz="8000" dirty="0" smtClean="0"/>
+          </a:p>
+          <a:p>
+            <a:r>
+              <a:rPr lang="es-PY" sz="8000" i="1" dirty="0" smtClean="0"/>
+              <a:t>PI5: Para cada una de las vistas del </a:t>
+            </a:r>
+            <a:r>
+              <a:rPr lang="es-PY" sz="8000" i="1" dirty="0" err="1" smtClean="0"/>
+              <a:t>Person</a:t>
+            </a:r>
+            <a:r>
+              <a:rPr lang="es-PY" sz="8000" i="1" dirty="0" smtClean="0"/>
+              <a:t> Manager, ¿qué cantidad de líneas de código para la interfaz de usuario se pudieron generar de manera automática a partir de los modelos, en cada uno de los enfoques implementados?</a:t>
+            </a:r>
+            <a:endParaRPr lang="es-PY" sz="8000" dirty="0" smtClean="0"/>
+          </a:p>
+          <a:p>
+            <a:endParaRPr lang="es-PY" dirty="0"/>
+          </a:p>
+        </p:txBody>
+      </p:sp>
+    </p:spTree>
+  </p:cSld>
+  <p:clrMapOvr>
+    <a:masterClrMapping/>
+  </p:clrMapOvr>
+  <p:timing>
+    <p:tnLst>
+      <p:par>
+        <p:cTn id="1" dur="indefinite" restart="never" nodeType="tmRoot"/>
+      </p:par>
+    </p:tnLst>
+  </p:timing>
+</p:sld>
+</file>
+
+<file path=ppt/slides/slide16.xml><?xml version="1.0" encoding="utf-8"?>
+<p:sld xmlns:a="http://schemas.openxmlformats.org/drawingml/2006/main" xmlns:r="http://schemas.openxmlformats.org/officeDocument/2006/relationships" xmlns:p="http://schemas.openxmlformats.org/presentationml/2006/main">
+  <p:cSld>
+    <p:spTree>
+      <p:nvGrpSpPr>
+        <p:cNvPr id="1" name=""/>
+        <p:cNvGrpSpPr/>
+        <p:nvPr/>
+      </p:nvGrpSpPr>
+      <p:grpSpPr>
+        <a:xfrm>
+          <a:off x="0" y="0"/>
+          <a:ext cx="0" cy="0"/>
+          <a:chOff x="0" y="0"/>
+          <a:chExt cx="0" cy="0"/>
+        </a:xfrm>
+      </p:grpSpPr>
+      <p:sp>
+        <p:nvSpPr>
+          <p:cNvPr id="2" name="1 Título"/>
+          <p:cNvSpPr>
+            <a:spLocks noGrp="1"/>
+          </p:cNvSpPr>
+          <p:nvPr>
+            <p:ph type="title"/>
+          </p:nvPr>
+        </p:nvSpPr>
+        <p:spPr>
+          <a:xfrm>
+            <a:off x="467544" y="476672"/>
+            <a:ext cx="7467600" cy="1143000"/>
+          </a:xfrm>
+        </p:spPr>
+        <p:txBody>
+          <a:bodyPr>
+            <a:noAutofit/>
+          </a:bodyPr>
+          <a:lstStyle/>
+          <a:p>
+            <a:pPr algn="ctr"/>
+            <a:r>
+              <a:rPr lang="es-ES" sz="2800" b="1" dirty="0" smtClean="0"/>
+              <a:t>PI1: ¿Consume una mayor cantidad de tiempo modelar la aplicación aplicando </a:t>
+            </a:r>
+            <a:r>
+              <a:rPr lang="es-ES" sz="2800" b="1" i="1" dirty="0" err="1" smtClean="0"/>
+              <a:t>MoWebA</a:t>
+            </a:r>
+            <a:r>
+              <a:rPr lang="es-ES" sz="2800" b="1" dirty="0" smtClean="0"/>
+              <a:t> con </a:t>
+            </a:r>
+            <a:r>
+              <a:rPr lang="es-ES" sz="2800" b="1" i="1" dirty="0" smtClean="0"/>
+              <a:t>RIA</a:t>
+            </a:r>
+            <a:r>
+              <a:rPr lang="es-ES" sz="2800" b="1" dirty="0" smtClean="0"/>
+              <a:t> que </a:t>
+            </a:r>
+            <a:r>
+              <a:rPr lang="es-ES" sz="2800" b="1" i="1" dirty="0" err="1" smtClean="0"/>
+              <a:t>MoWebA</a:t>
+            </a:r>
+            <a:r>
+              <a:rPr lang="es-ES" sz="2800" b="1" dirty="0" smtClean="0"/>
+              <a:t> sin </a:t>
+            </a:r>
+            <a:r>
+              <a:rPr lang="es-ES" sz="2800" b="1" i="1" dirty="0" smtClean="0"/>
+              <a:t>RIA</a:t>
+            </a:r>
+            <a:r>
+              <a:rPr lang="es-ES" sz="2800" b="1" dirty="0" smtClean="0"/>
+              <a:t>?</a:t>
+            </a:r>
+            <a:r>
+              <a:rPr lang="es-PY" sz="2800" dirty="0" smtClean="0"/>
+              <a:t/>
+            </a:r>
+            <a:br>
+              <a:rPr lang="es-PY" sz="2800" dirty="0" smtClean="0"/>
+            </a:br>
+            <a:endParaRPr lang="es-PY" sz="2800" dirty="0"/>
+          </a:p>
+        </p:txBody>
+      </p:sp>
+      <p:pic>
+        <p:nvPicPr>
+          <p:cNvPr id="7" name="6 Marcador de contenido" descr="tiempos de modelado.png"/>
+          <p:cNvPicPr>
+            <a:picLocks noGrp="1" noChangeAspect="1"/>
+          </p:cNvPicPr>
+          <p:nvPr>
+            <p:ph idx="1"/>
+          </p:nvPr>
+        </p:nvPicPr>
+        <p:blipFill>
+          <a:blip r:embed="rId3" cstate="print"/>
+          <a:stretch>
+            <a:fillRect/>
+          </a:stretch>
+        </p:blipFill>
+        <p:spPr>
+          <a:xfrm>
+            <a:off x="107504" y="1988840"/>
+            <a:ext cx="8960339" cy="2999709"/>
+          </a:xfrm>
+        </p:spPr>
+      </p:pic>
+    </p:spTree>
+  </p:cSld>
+  <p:clrMapOvr>
+    <a:masterClrMapping/>
+  </p:clrMapOvr>
+  <p:timing>
+    <p:tnLst>
+      <p:par>
+        <p:cTn id="1" dur="indefinite" restart="never" nodeType="tmRoot"/>
+      </p:par>
+    </p:tnLst>
+  </p:timing>
+</p:sld>
+</file>
+
+<file path=ppt/slides/slide17.xml><?xml version="1.0" encoding="utf-8"?>
+<p:sld xmlns:a="http://schemas.openxmlformats.org/drawingml/2006/main" xmlns:r="http://schemas.openxmlformats.org/officeDocument/2006/relationships" xmlns:p="http://schemas.openxmlformats.org/presentationml/2006/main">
+  <p:cSld>
+    <p:spTree>
+      <p:nvGrpSpPr>
+        <p:cNvPr id="1" name=""/>
+        <p:cNvGrpSpPr/>
+        <p:nvPr/>
+      </p:nvGrpSpPr>
+      <p:grpSpPr>
+        <a:xfrm>
+          <a:off x="0" y="0"/>
+          <a:ext cx="0" cy="0"/>
+          <a:chOff x="0" y="0"/>
+          <a:chExt cx="0" cy="0"/>
+        </a:xfrm>
+      </p:grpSpPr>
+      <p:sp>
+        <p:nvSpPr>
+          <p:cNvPr id="2" name="1 Título"/>
+          <p:cNvSpPr>
+            <a:spLocks noGrp="1"/>
+          </p:cNvSpPr>
+          <p:nvPr>
+            <p:ph type="title"/>
+          </p:nvPr>
+        </p:nvSpPr>
+        <p:spPr>
+          <a:xfrm>
+            <a:off x="395536" y="413792"/>
+            <a:ext cx="7467600" cy="1143000"/>
+          </a:xfrm>
+        </p:spPr>
+        <p:txBody>
+          <a:bodyPr>
+            <a:noAutofit/>
+          </a:bodyPr>
+          <a:lstStyle/>
+          <a:p>
+            <a:pPr algn="ctr"/>
+            <a:r>
+              <a:rPr lang="es-PY" sz="2400" b="1" i="1" dirty="0" smtClean="0"/>
+              <a:t>PI2: ¿Para cuál de los enfoques  es necesaria  una mayor cantidad de generaciones de código para obtener la interfaz de usuario final?</a:t>
+            </a:r>
+            <a:r>
+              <a:rPr lang="es-PY" sz="2400" b="1" dirty="0" smtClean="0"/>
+              <a:t/>
+            </a:r>
+            <a:br>
+              <a:rPr lang="es-PY" sz="2400" b="1" dirty="0" smtClean="0"/>
+            </a:br>
+            <a:endParaRPr lang="es-PY" sz="2400" b="1" dirty="0"/>
+          </a:p>
+        </p:txBody>
+      </p:sp>
+      <p:pic>
+        <p:nvPicPr>
+          <p:cNvPr id="4" name="3 Marcador de contenido" descr="numeroDeGeneraciones.png"/>
+          <p:cNvPicPr>
+            <a:picLocks noGrp="1" noChangeAspect="1"/>
+          </p:cNvPicPr>
+          <p:nvPr>
+            <p:ph idx="1"/>
+          </p:nvPr>
+        </p:nvPicPr>
+        <p:blipFill>
+          <a:blip r:embed="rId3" cstate="print"/>
+          <a:stretch>
+            <a:fillRect/>
+          </a:stretch>
+        </p:blipFill>
+        <p:spPr>
+          <a:xfrm>
+            <a:off x="194483" y="1700808"/>
+            <a:ext cx="8824550" cy="3016940"/>
+          </a:xfrm>
+        </p:spPr>
+      </p:pic>
+    </p:spTree>
+  </p:cSld>
+  <p:clrMapOvr>
+    <a:masterClrMapping/>
+  </p:clrMapOvr>
+  <p:timing>
+    <p:tnLst>
+      <p:par>
+        <p:cTn id="1" dur="indefinite" restart="never" nodeType="tmRoot"/>
+      </p:par>
+    </p:tnLst>
+  </p:timing>
+</p:sld>
+</file>
+
+<file path=ppt/slides/slide18.xml><?xml version="1.0" encoding="utf-8"?>
+<p:sld xmlns:a="http://schemas.openxmlformats.org/drawingml/2006/main" xmlns:r="http://schemas.openxmlformats.org/officeDocument/2006/relationships" xmlns:p="http://schemas.openxmlformats.org/presentationml/2006/main">
+  <p:cSld>
+    <p:spTree>
+      <p:nvGrpSpPr>
+        <p:cNvPr id="1" name=""/>
+        <p:cNvGrpSpPr/>
+        <p:nvPr/>
+      </p:nvGrpSpPr>
+      <p:grpSpPr>
+        <a:xfrm>
+          <a:off x="0" y="0"/>
+          <a:ext cx="0" cy="0"/>
+          <a:chOff x="0" y="0"/>
+          <a:chExt cx="0" cy="0"/>
+        </a:xfrm>
+      </p:grpSpPr>
+      <p:sp>
+        <p:nvSpPr>
+          <p:cNvPr id="2" name="1 Título"/>
+          <p:cNvSpPr>
+            <a:spLocks noGrp="1"/>
+          </p:cNvSpPr>
+          <p:nvPr>
+            <p:ph type="title"/>
+          </p:nvPr>
+        </p:nvSpPr>
+        <p:spPr>
+          <a:xfrm>
+            <a:off x="467544" y="476672"/>
+            <a:ext cx="7467600" cy="1143000"/>
+          </a:xfrm>
+        </p:spPr>
+        <p:txBody>
+          <a:bodyPr>
+            <a:noAutofit/>
+          </a:bodyPr>
+          <a:lstStyle/>
+          <a:p>
+            <a:pPr algn="ctr"/>
+            <a:r>
+              <a:rPr lang="es-PY" sz="2400" b="1" i="1" dirty="0" smtClean="0"/>
+              <a:t>PI3: Desde el punto de vista de las presentaciones enriquecidas, ¿qué ventajas aportan las características RIA presentes en la aplicación implementada con </a:t>
+            </a:r>
+            <a:r>
+              <a:rPr lang="es-PY" sz="2400" b="1" i="1" dirty="0" err="1" smtClean="0"/>
+              <a:t>MoWebA</a:t>
+            </a:r>
+            <a:r>
+              <a:rPr lang="es-PY" sz="2400" b="1" i="1" dirty="0" smtClean="0"/>
+              <a:t> con RIA con respecto a </a:t>
+            </a:r>
+            <a:r>
+              <a:rPr lang="es-PY" sz="2400" b="1" i="1" dirty="0" err="1" smtClean="0"/>
+              <a:t>MoWebA</a:t>
+            </a:r>
+            <a:r>
+              <a:rPr lang="es-PY" sz="2400" b="1" i="1" dirty="0" smtClean="0"/>
+              <a:t> sin RIA?</a:t>
+            </a:r>
+            <a:r>
+              <a:rPr lang="es-PY" sz="2400" b="1" dirty="0" smtClean="0"/>
+              <a:t/>
+            </a:r>
+            <a:br>
+              <a:rPr lang="es-PY" sz="2400" b="1" dirty="0" smtClean="0"/>
+            </a:br>
+            <a:endParaRPr lang="es-PY" sz="2400" b="1" dirty="0"/>
+          </a:p>
+        </p:txBody>
+      </p:sp>
+      <p:sp>
+        <p:nvSpPr>
+          <p:cNvPr id="3" name="2 Marcador de contenido"/>
+          <p:cNvSpPr>
+            <a:spLocks noGrp="1"/>
+          </p:cNvSpPr>
+          <p:nvPr>
+            <p:ph idx="1"/>
+          </p:nvPr>
+        </p:nvSpPr>
+        <p:spPr/>
+        <p:txBody>
+          <a:bodyPr/>
+          <a:lstStyle/>
+          <a:p>
+            <a:endParaRPr lang="es-PY" dirty="0"/>
+          </a:p>
+        </p:txBody>
+      </p:sp>
+    </p:spTree>
+  </p:cSld>
+  <p:clrMapOvr>
+    <a:masterClrMapping/>
+  </p:clrMapOvr>
+</p:sld>
+</file>
+
+<file path=ppt/slides/slide19.xml><?xml version="1.0" encoding="utf-8"?>
+<p:sld xmlns:a="http://schemas.openxmlformats.org/drawingml/2006/main" xmlns:r="http://schemas.openxmlformats.org/officeDocument/2006/relationships" xmlns:p="http://schemas.openxmlformats.org/presentationml/2006/main">
+  <p:cSld>
+    <p:spTree>
+      <p:nvGrpSpPr>
+        <p:cNvPr id="1" name=""/>
+        <p:cNvGrpSpPr/>
+        <p:nvPr/>
+      </p:nvGrpSpPr>
+      <p:grpSpPr>
+        <a:xfrm>
+          <a:off x="0" y="0"/>
+          <a:ext cx="0" cy="0"/>
+          <a:chOff x="0" y="0"/>
+          <a:chExt cx="0" cy="0"/>
+        </a:xfrm>
+      </p:grpSpPr>
+      <p:sp>
+        <p:nvSpPr>
+          <p:cNvPr id="2" name="1 Título"/>
+          <p:cNvSpPr>
+            <a:spLocks noGrp="1"/>
+          </p:cNvSpPr>
+          <p:nvPr>
+            <p:ph type="title"/>
+          </p:nvPr>
+        </p:nvSpPr>
+        <p:spPr>
+          <a:xfrm>
+            <a:off x="467544" y="332656"/>
+            <a:ext cx="7467600" cy="1143000"/>
+          </a:xfrm>
+        </p:spPr>
+        <p:txBody>
+          <a:bodyPr>
+            <a:noAutofit/>
+          </a:bodyPr>
+          <a:lstStyle/>
+          <a:p>
+            <a:r>
+              <a:rPr lang="es-PY" sz="2000" b="1" i="1" dirty="0" smtClean="0"/>
+              <a:t>PI4: Desde el punto de vista de la lógica de negocios en el lado del cliente, ¿qué ventajas aportan las características RIA presentes en la aplicación implementada con </a:t>
+            </a:r>
+            <a:r>
+              <a:rPr lang="es-PY" sz="2000" b="1" i="1" dirty="0" err="1" smtClean="0"/>
+              <a:t>MoWebA</a:t>
+            </a:r>
+            <a:r>
+              <a:rPr lang="es-PY" sz="2000" b="1" i="1" dirty="0" smtClean="0"/>
+              <a:t> con RIA con respecto a </a:t>
+            </a:r>
+            <a:r>
+              <a:rPr lang="es-PY" sz="2000" b="1" i="1" dirty="0" err="1" smtClean="0"/>
+              <a:t>MoWebA</a:t>
+            </a:r>
+            <a:r>
+              <a:rPr lang="es-PY" sz="2000" b="1" i="1" dirty="0" smtClean="0"/>
+              <a:t> sin RIA?</a:t>
+            </a:r>
+            <a:r>
+              <a:rPr lang="es-PY" sz="2000" b="1" dirty="0" smtClean="0"/>
+              <a:t/>
+            </a:r>
+            <a:br>
+              <a:rPr lang="es-PY" sz="2000" b="1" dirty="0" smtClean="0"/>
+            </a:br>
+            <a:endParaRPr lang="es-PY" sz="2000" b="1" dirty="0"/>
+          </a:p>
+        </p:txBody>
+      </p:sp>
+      <p:sp>
+        <p:nvSpPr>
+          <p:cNvPr id="3" name="2 Marcador de contenido"/>
+          <p:cNvSpPr>
+            <a:spLocks noGrp="1"/>
+          </p:cNvSpPr>
+          <p:nvPr>
+            <p:ph idx="1"/>
+          </p:nvPr>
+        </p:nvSpPr>
+        <p:spPr/>
+        <p:txBody>
+          <a:bodyPr/>
+          <a:lstStyle/>
+          <a:p>
+            <a:endParaRPr lang="es-PY" dirty="0"/>
+          </a:p>
+        </p:txBody>
+      </p:sp>
+    </p:spTree>
+  </p:cSld>
+  <p:clrMapOvr>
+    <a:masterClrMapping/>
+  </p:clrMapOvr>
+</p:sld>
+</file>
+
 <file path=ppt/slides/slide2.xml><?xml version="1.0" encoding="utf-8"?>
 <p:sld xmlns:a="http://schemas.openxmlformats.org/drawingml/2006/main" xmlns:r="http://schemas.openxmlformats.org/officeDocument/2006/relationships" xmlns:p="http://schemas.openxmlformats.org/presentationml/2006/main">
   <p:cSld>
@@ -4915,6 +6337,107 @@
           </a:p>
         </p:txBody>
       </p:sp>
+    </p:spTree>
+  </p:cSld>
+  <p:clrMapOvr>
+    <a:masterClrMapping/>
+  </p:clrMapOvr>
+  <p:timing>
+    <p:tnLst>
+      <p:par>
+        <p:cTn id="1" dur="indefinite" restart="never" nodeType="tmRoot"/>
+      </p:par>
+    </p:tnLst>
+  </p:timing>
+</p:sld>
+</file>
+
+<file path=ppt/slides/slide20.xml><?xml version="1.0" encoding="utf-8"?>
+<p:sld xmlns:a="http://schemas.openxmlformats.org/drawingml/2006/main" xmlns:r="http://schemas.openxmlformats.org/officeDocument/2006/relationships" xmlns:p="http://schemas.openxmlformats.org/presentationml/2006/main">
+  <p:cSld>
+    <p:spTree>
+      <p:nvGrpSpPr>
+        <p:cNvPr id="1" name=""/>
+        <p:cNvGrpSpPr/>
+        <p:nvPr/>
+      </p:nvGrpSpPr>
+      <p:grpSpPr>
+        <a:xfrm>
+          <a:off x="0" y="0"/>
+          <a:ext cx="0" cy="0"/>
+          <a:chOff x="0" y="0"/>
+          <a:chExt cx="0" cy="0"/>
+        </a:xfrm>
+      </p:grpSpPr>
+      <p:sp>
+        <p:nvSpPr>
+          <p:cNvPr id="2" name="1 Título"/>
+          <p:cNvSpPr>
+            <a:spLocks noGrp="1"/>
+          </p:cNvSpPr>
+          <p:nvPr>
+            <p:ph type="title"/>
+          </p:nvPr>
+        </p:nvSpPr>
+        <p:spPr>
+          <a:xfrm>
+            <a:off x="395536" y="836712"/>
+            <a:ext cx="7467600" cy="1143000"/>
+          </a:xfrm>
+        </p:spPr>
+        <p:txBody>
+          <a:bodyPr>
+            <a:noAutofit/>
+          </a:bodyPr>
+          <a:lstStyle/>
+          <a:p>
+            <a:pPr algn="ctr"/>
+            <a:r>
+              <a:rPr lang="es-PY" sz="2400" b="1" i="1" dirty="0" smtClean="0"/>
+              <a:t>PI5: Para cada una de las vistas del </a:t>
+            </a:r>
+            <a:r>
+              <a:rPr lang="es-PY" sz="2400" b="1" i="1" dirty="0" err="1" smtClean="0"/>
+              <a:t>Person</a:t>
+            </a:r>
+            <a:r>
+              <a:rPr lang="es-PY" sz="2400" b="1" i="1" dirty="0" smtClean="0"/>
+              <a:t> Manager, ¿qué cantidad de líneas de código para la interfaz de usuario se pudieron generar de manera automática a partir de los modelos, en cada uno de los enfoques implementados?</a:t>
+            </a:r>
+            <a:r>
+              <a:rPr lang="es-PY" sz="2400" b="1" dirty="0" smtClean="0"/>
+              <a:t/>
+            </a:r>
+            <a:br>
+              <a:rPr lang="es-PY" sz="2400" b="1" dirty="0" smtClean="0"/>
+            </a:br>
+            <a:endParaRPr lang="es-PY" sz="4400" b="1" dirty="0"/>
+          </a:p>
+        </p:txBody>
+      </p:sp>
+      <p:pic>
+        <p:nvPicPr>
+          <p:cNvPr id="4" name="3 Marcador de contenido" descr="lineas de codigo.png"/>
+          <p:cNvPicPr>
+            <a:picLocks noGrp="1" noChangeAspect="1"/>
+          </p:cNvPicPr>
+          <p:nvPr>
+            <p:ph idx="1"/>
+          </p:nvPr>
+        </p:nvPicPr>
+        <p:blipFill>
+          <a:blip r:embed="rId3" cstate="print"/>
+          <a:stretch>
+            <a:fillRect/>
+          </a:stretch>
+        </p:blipFill>
+        <p:spPr>
+          <a:xfrm>
+            <a:off x="323528" y="2060848"/>
+            <a:ext cx="8116927" cy="4529901"/>
+          </a:xfrm>
+        </p:spPr>
+      </p:pic>
     </p:spTree>
   </p:cSld>
   <p:clrMapOvr>
@@ -5144,7 +6667,7 @@
     </p:spTree>
     <p:extLst>
       <p:ext uri="{BB962C8B-B14F-4D97-AF65-F5344CB8AC3E}">
-        <p14:creationId xmlns="" xmlns:p14="http://schemas.microsoft.com/office/powerpoint/2010/main" val="883043307"/>
+        <p14:creationId xmlns:p14="http://schemas.microsoft.com/office/powerpoint/2010/main" xmlns="" val="883043307"/>
       </p:ext>
     </p:extLst>
   </p:cSld>
